--- a/ppt/curso-devops-ulpgc.pptx
+++ b/ppt/curso-devops-ulpgc.pptx
@@ -397,7 +397,7 @@
           <a:p>
             <a:fld id="{4A3B785F-1BCE-1A46-9CAA-77ACC7103834}" type="datetimeFigureOut">
               <a:rPr lang="es-ES" smtClean="0"/>
-              <a:t>09/02/2023</a:t>
+              <a:t>13/02/2023</a:t>
             </a:fld>
             <a:endParaRPr lang="es-ES" dirty="0"/>
           </a:p>
@@ -10528,13 +10528,17 @@
           </a:bodyPr>
           <a:lstStyle/>
           <a:p>
+            <a:pPr algn="ctr"/>
             <a:r>
-              <a:rPr lang="es-ES" dirty="0">
+              <a:rPr lang="es-ES" u="sng" dirty="0">
                 <a:hlinkClick r:id="rId4"/>
               </a:rPr>
-              <a:t>http://localhost:8080/openapi/swagger-ui/index.html</a:t>
+              <a:t>http://localhost:8080/openapi/</a:t>
             </a:r>
-            <a:endParaRPr lang="es-ES" dirty="0"/>
+            <a:r>
+              <a:rPr lang="es-ES" u="sng" dirty="0"/>
+              <a:t>swagger-ui</a:t>
+            </a:r>
           </a:p>
           <a:p>
             <a:pPr algn="ctr"/>
@@ -10542,7 +10546,7 @@
               <a:rPr lang="es-ES" dirty="0">
                 <a:hlinkClick r:id="rId5"/>
               </a:rPr>
-              <a:t>http://localhost/reviews</a:t>
+              <a:t>http://localhost</a:t>
             </a:r>
             <a:endParaRPr lang="es-ES" dirty="0"/>
           </a:p>
@@ -14129,6 +14133,15 @@
 </file>
 
 <file path=customXml/item1.xml><?xml version="1.0" encoding="utf-8"?>
+<?mso-contentType ?>
+<FormTemplates xmlns="http://schemas.microsoft.com/sharepoint/v3/contenttype/forms">
+  <Display>DocumentLibraryForm</Display>
+  <Edit>DocumentLibraryForm</Edit>
+  <New>DocumentLibraryForm</New>
+</FormTemplates>
+</file>
+
+<file path=customXml/item2.xml><?xml version="1.0" encoding="utf-8"?>
 <ct:contentTypeSchema xmlns:ct="http://schemas.microsoft.com/office/2006/metadata/contentType" xmlns:ma="http://schemas.microsoft.com/office/2006/metadata/properties/metaAttributes" ct:_="" ma:_="" ma:contentTypeName="Documento" ma:contentTypeID="0x0101006B1E11B541137C48AA3727DCBBA54C16" ma:contentTypeVersion="11" ma:contentTypeDescription="Crear nuevo documento." ma:contentTypeScope="" ma:versionID="95949c5f839407ce12e4e96351584624">
   <xsd:schema xmlns:xsd="http://www.w3.org/2001/XMLSchema" xmlns:xs="http://www.w3.org/2001/XMLSchema" xmlns:p="http://schemas.microsoft.com/office/2006/metadata/properties" xmlns:ns2="e202ecef-a3f6-4d98-ad9b-1b77cdb87b84" xmlns:ns3="435026e9-b5d0-4467-bbd9-3b76a09ae0c4" targetNamespace="http://schemas.microsoft.com/office/2006/metadata/properties" ma:root="true" ma:fieldsID="f348301bcb62330657a04a353e23fd75" ns2:_="" ns3:_="">
     <xsd:import namespace="e202ecef-a3f6-4d98-ad9b-1b77cdb87b84"/>
@@ -14323,15 +14336,6 @@
 </ct:contentTypeSchema>
 </file>
 
-<file path=customXml/item2.xml><?xml version="1.0" encoding="utf-8"?>
-<?mso-contentType ?>
-<FormTemplates xmlns="http://schemas.microsoft.com/sharepoint/v3/contenttype/forms">
-  <Display>DocumentLibraryForm</Display>
-  <Edit>DocumentLibraryForm</Edit>
-  <New>DocumentLibraryForm</New>
-</FormTemplates>
-</file>
-
 <file path=customXml/item3.xml><?xml version="1.0" encoding="utf-8"?>
 <p:properties xmlns:p="http://schemas.microsoft.com/office/2006/metadata/properties" xmlns:xsi="http://www.w3.org/2001/XMLSchema-instance" xmlns:pc="http://schemas.microsoft.com/office/infopath/2007/PartnerControls">
   <documentManagement>
@@ -14344,6 +14348,14 @@
 </file>
 
 <file path=customXml/itemProps1.xml><?xml version="1.0" encoding="utf-8"?>
+<ds:datastoreItem xmlns:ds="http://schemas.openxmlformats.org/officeDocument/2006/customXml" ds:itemID="{A4B54BEA-998E-408D-BCCD-09BA67DF44CE}">
+  <ds:schemaRefs>
+    <ds:schemaRef ds:uri="http://schemas.microsoft.com/sharepoint/v3/contenttype/forms"/>
+  </ds:schemaRefs>
+</ds:datastoreItem>
+</file>
+
+<file path=customXml/itemProps2.xml><?xml version="1.0" encoding="utf-8"?>
 <ds:datastoreItem xmlns:ds="http://schemas.openxmlformats.org/officeDocument/2006/customXml" ds:itemID="{592DADBC-4920-4373-95D3-1A0ABF3667A7}">
   <ds:schemaRefs>
     <ds:schemaRef ds:uri="http://schemas.microsoft.com/office/2006/metadata/contentType"/>
@@ -14362,14 +14374,6 @@
 </ds:datastoreItem>
 </file>
 
-<file path=customXml/itemProps2.xml><?xml version="1.0" encoding="utf-8"?>
-<ds:datastoreItem xmlns:ds="http://schemas.openxmlformats.org/officeDocument/2006/customXml" ds:itemID="{A4B54BEA-998E-408D-BCCD-09BA67DF44CE}">
-  <ds:schemaRefs>
-    <ds:schemaRef ds:uri="http://schemas.microsoft.com/sharepoint/v3/contenttype/forms"/>
-  </ds:schemaRefs>
-</ds:datastoreItem>
-</file>
-
 <file path=customXml/itemProps3.xml><?xml version="1.0" encoding="utf-8"?>
 <ds:datastoreItem xmlns:ds="http://schemas.openxmlformats.org/officeDocument/2006/customXml" ds:itemID="{2F6D6B62-92C6-4EDE-B50E-8B81CFF669EA}">
   <ds:schemaRefs>

--- a/ppt/curso-devops-ulpgc.pptx
+++ b/ppt/curso-devops-ulpgc.pptx
@@ -32,11 +32,6 @@
       <p:regular r:id="rId15"/>
       <p:bold r:id="rId15"/>
       <p:italic r:id="rId15"/>
-      <p:boldItalic r:id="rId15"/>
-    </p:embeddedFont>
-    <p:embeddedFont>
-      <p:font typeface="Montserrat ExtraBold" panose="00000900000000000000" pitchFamily="2" charset="0"/>
-      <p:bold r:id="rId15"/>
       <p:boldItalic r:id="rId15"/>
     </p:embeddedFont>
     <p:embeddedFont>
@@ -397,7 +392,7 @@
           <a:p>
             <a:fld id="{4A3B785F-1BCE-1A46-9CAA-77ACC7103834}" type="datetimeFigureOut">
               <a:rPr lang="es-ES" smtClean="0"/>
-              <a:t>13/02/2023</a:t>
+              <a:t>24/01/2024</a:t>
             </a:fld>
             <a:endParaRPr lang="es-ES" dirty="0"/>
           </a:p>
@@ -8022,7 +8017,7 @@
                   <a:srgbClr val="007399"/>
                 </a:solidFill>
               </a:rPr>
-              <a:t>09/02/2023 16:00 – 20:00</a:t>
+              <a:t>01/02/2024 16:00 – 20:00</a:t>
             </a:r>
           </a:p>
           <a:p>
@@ -8114,7 +8109,7 @@
                   <a:srgbClr val="007399"/>
                 </a:solidFill>
               </a:rPr>
-              <a:t>16/02/2023 16:00 – 20:00</a:t>
+              <a:t>08/02/2024 16:00 – 20:00</a:t>
             </a:r>
           </a:p>
           <a:p>
@@ -8263,7 +8258,7 @@
                   <a:srgbClr val="007399"/>
                 </a:solidFill>
               </a:rPr>
-              <a:t>23/02/2023 16:00 – 20:00</a:t>
+              <a:t>15/02/2024 16:00 – 20:00</a:t>
             </a:r>
           </a:p>
           <a:p>
@@ -8379,7 +8374,7 @@
                   <a:srgbClr val="007399"/>
                 </a:solidFill>
               </a:rPr>
-              <a:t>02/03/2023 16:00 – 20:00</a:t>
+              <a:t>22/02/2024 16:00 – 20:00</a:t>
             </a:r>
           </a:p>
           <a:p>
@@ -9191,7 +9186,7 @@
                   <a:srgbClr val="007399"/>
                 </a:solidFill>
               </a:rPr>
-              <a:t>10/03/2023 16:00 – 20:00</a:t>
+              <a:t>05/03/2024 17:00 – 19:00</a:t>
             </a:r>
           </a:p>
           <a:p>
@@ -14133,12 +14128,14 @@
 </file>
 
 <file path=customXml/item1.xml><?xml version="1.0" encoding="utf-8"?>
-<?mso-contentType ?>
-<FormTemplates xmlns="http://schemas.microsoft.com/sharepoint/v3/contenttype/forms">
-  <Display>DocumentLibraryForm</Display>
-  <Edit>DocumentLibraryForm</Edit>
-  <New>DocumentLibraryForm</New>
-</FormTemplates>
+<p:properties xmlns:p="http://schemas.microsoft.com/office/2006/metadata/properties" xmlns:xsi="http://www.w3.org/2001/XMLSchema-instance" xmlns:pc="http://schemas.microsoft.com/office/infopath/2007/PartnerControls">
+  <documentManagement>
+    <TaxCatchAll xmlns="435026e9-b5d0-4467-bbd9-3b76a09ae0c4" xsi:nil="true"/>
+    <lcf76f155ced4ddcb4097134ff3c332f xmlns="e202ecef-a3f6-4d98-ad9b-1b77cdb87b84">
+      <Terms xmlns="http://schemas.microsoft.com/office/infopath/2007/PartnerControls"/>
+    </lcf76f155ced4ddcb4097134ff3c332f>
+  </documentManagement>
+</p:properties>
 </file>
 
 <file path=customXml/item2.xml><?xml version="1.0" encoding="utf-8"?>
@@ -14337,20 +14334,21 @@
 </file>
 
 <file path=customXml/item3.xml><?xml version="1.0" encoding="utf-8"?>
-<p:properties xmlns:p="http://schemas.microsoft.com/office/2006/metadata/properties" xmlns:xsi="http://www.w3.org/2001/XMLSchema-instance" xmlns:pc="http://schemas.microsoft.com/office/infopath/2007/PartnerControls">
-  <documentManagement>
-    <TaxCatchAll xmlns="435026e9-b5d0-4467-bbd9-3b76a09ae0c4" xsi:nil="true"/>
-    <lcf76f155ced4ddcb4097134ff3c332f xmlns="e202ecef-a3f6-4d98-ad9b-1b77cdb87b84">
-      <Terms xmlns="http://schemas.microsoft.com/office/infopath/2007/PartnerControls"/>
-    </lcf76f155ced4ddcb4097134ff3c332f>
-  </documentManagement>
-</p:properties>
+<?mso-contentType ?>
+<FormTemplates xmlns="http://schemas.microsoft.com/sharepoint/v3/contenttype/forms">
+  <Display>DocumentLibraryForm</Display>
+  <Edit>DocumentLibraryForm</Edit>
+  <New>DocumentLibraryForm</New>
+</FormTemplates>
 </file>
 
 <file path=customXml/itemProps1.xml><?xml version="1.0" encoding="utf-8"?>
-<ds:datastoreItem xmlns:ds="http://schemas.openxmlformats.org/officeDocument/2006/customXml" ds:itemID="{A4B54BEA-998E-408D-BCCD-09BA67DF44CE}">
+<ds:datastoreItem xmlns:ds="http://schemas.openxmlformats.org/officeDocument/2006/customXml" ds:itemID="{2F6D6B62-92C6-4EDE-B50E-8B81CFF669EA}">
   <ds:schemaRefs>
-    <ds:schemaRef ds:uri="http://schemas.microsoft.com/sharepoint/v3/contenttype/forms"/>
+    <ds:schemaRef ds:uri="http://schemas.microsoft.com/office/2006/metadata/properties"/>
+    <ds:schemaRef ds:uri="http://schemas.microsoft.com/office/infopath/2007/PartnerControls"/>
+    <ds:schemaRef ds:uri="435026e9-b5d0-4467-bbd9-3b76a09ae0c4"/>
+    <ds:schemaRef ds:uri="e202ecef-a3f6-4d98-ad9b-1b77cdb87b84"/>
   </ds:schemaRefs>
 </ds:datastoreItem>
 </file>
@@ -14375,12 +14373,9 @@
 </file>
 
 <file path=customXml/itemProps3.xml><?xml version="1.0" encoding="utf-8"?>
-<ds:datastoreItem xmlns:ds="http://schemas.openxmlformats.org/officeDocument/2006/customXml" ds:itemID="{2F6D6B62-92C6-4EDE-B50E-8B81CFF669EA}">
+<ds:datastoreItem xmlns:ds="http://schemas.openxmlformats.org/officeDocument/2006/customXml" ds:itemID="{A4B54BEA-998E-408D-BCCD-09BA67DF44CE}">
   <ds:schemaRefs>
-    <ds:schemaRef ds:uri="http://schemas.microsoft.com/office/2006/metadata/properties"/>
-    <ds:schemaRef ds:uri="http://schemas.microsoft.com/office/infopath/2007/PartnerControls"/>
-    <ds:schemaRef ds:uri="435026e9-b5d0-4467-bbd9-3b76a09ae0c4"/>
-    <ds:schemaRef ds:uri="e202ecef-a3f6-4d98-ad9b-1b77cdb87b84"/>
+    <ds:schemaRef ds:uri="http://schemas.microsoft.com/sharepoint/v3/contenttype/forms"/>
   </ds:schemaRefs>
 </ds:datastoreItem>
 </file>
--- a/ppt/curso-devops-ulpgc.pptx
+++ b/ppt/curso-devops-ulpgc.pptx
@@ -392,7 +392,7 @@
           <a:p>
             <a:fld id="{4A3B785F-1BCE-1A46-9CAA-77ACC7103834}" type="datetimeFigureOut">
               <a:rPr lang="es-ES" smtClean="0"/>
-              <a:t>24/01/2024</a:t>
+              <a:t>01/02/2024</a:t>
             </a:fld>
             <a:endParaRPr lang="es-ES" dirty="0"/>
           </a:p>
@@ -10528,12 +10528,9 @@
               <a:rPr lang="es-ES" u="sng" dirty="0">
                 <a:hlinkClick r:id="rId4"/>
               </a:rPr>
-              <a:t>http://localhost:8080/openapi/</a:t>
+              <a:t>http://localhost:8080/openapi/swagger</a:t>
             </a:r>
-            <a:r>
-              <a:rPr lang="es-ES" u="sng" dirty="0"/>
-              <a:t>swagger-ui</a:t>
-            </a:r>
+            <a:endParaRPr lang="es-ES" u="sng" dirty="0"/>
           </a:p>
           <a:p>
             <a:pPr algn="ctr"/>
@@ -14128,14 +14125,12 @@
 </file>
 
 <file path=customXml/item1.xml><?xml version="1.0" encoding="utf-8"?>
-<p:properties xmlns:p="http://schemas.microsoft.com/office/2006/metadata/properties" xmlns:xsi="http://www.w3.org/2001/XMLSchema-instance" xmlns:pc="http://schemas.microsoft.com/office/infopath/2007/PartnerControls">
-  <documentManagement>
-    <TaxCatchAll xmlns="435026e9-b5d0-4467-bbd9-3b76a09ae0c4" xsi:nil="true"/>
-    <lcf76f155ced4ddcb4097134ff3c332f xmlns="e202ecef-a3f6-4d98-ad9b-1b77cdb87b84">
-      <Terms xmlns="http://schemas.microsoft.com/office/infopath/2007/PartnerControls"/>
-    </lcf76f155ced4ddcb4097134ff3c332f>
-  </documentManagement>
-</p:properties>
+<?mso-contentType ?>
+<FormTemplates xmlns="http://schemas.microsoft.com/sharepoint/v3/contenttype/forms">
+  <Display>DocumentLibraryForm</Display>
+  <Edit>DocumentLibraryForm</Edit>
+  <New>DocumentLibraryForm</New>
+</FormTemplates>
 </file>
 
 <file path=customXml/item2.xml><?xml version="1.0" encoding="utf-8"?>
@@ -14334,21 +14329,20 @@
 </file>
 
 <file path=customXml/item3.xml><?xml version="1.0" encoding="utf-8"?>
-<?mso-contentType ?>
-<FormTemplates xmlns="http://schemas.microsoft.com/sharepoint/v3/contenttype/forms">
-  <Display>DocumentLibraryForm</Display>
-  <Edit>DocumentLibraryForm</Edit>
-  <New>DocumentLibraryForm</New>
-</FormTemplates>
+<p:properties xmlns:p="http://schemas.microsoft.com/office/2006/metadata/properties" xmlns:xsi="http://www.w3.org/2001/XMLSchema-instance" xmlns:pc="http://schemas.microsoft.com/office/infopath/2007/PartnerControls">
+  <documentManagement>
+    <TaxCatchAll xmlns="435026e9-b5d0-4467-bbd9-3b76a09ae0c4" xsi:nil="true"/>
+    <lcf76f155ced4ddcb4097134ff3c332f xmlns="e202ecef-a3f6-4d98-ad9b-1b77cdb87b84">
+      <Terms xmlns="http://schemas.microsoft.com/office/infopath/2007/PartnerControls"/>
+    </lcf76f155ced4ddcb4097134ff3c332f>
+  </documentManagement>
+</p:properties>
 </file>
 
 <file path=customXml/itemProps1.xml><?xml version="1.0" encoding="utf-8"?>
-<ds:datastoreItem xmlns:ds="http://schemas.openxmlformats.org/officeDocument/2006/customXml" ds:itemID="{2F6D6B62-92C6-4EDE-B50E-8B81CFF669EA}">
+<ds:datastoreItem xmlns:ds="http://schemas.openxmlformats.org/officeDocument/2006/customXml" ds:itemID="{A4B54BEA-998E-408D-BCCD-09BA67DF44CE}">
   <ds:schemaRefs>
-    <ds:schemaRef ds:uri="http://schemas.microsoft.com/office/2006/metadata/properties"/>
-    <ds:schemaRef ds:uri="http://schemas.microsoft.com/office/infopath/2007/PartnerControls"/>
-    <ds:schemaRef ds:uri="435026e9-b5d0-4467-bbd9-3b76a09ae0c4"/>
-    <ds:schemaRef ds:uri="e202ecef-a3f6-4d98-ad9b-1b77cdb87b84"/>
+    <ds:schemaRef ds:uri="http://schemas.microsoft.com/sharepoint/v3/contenttype/forms"/>
   </ds:schemaRefs>
 </ds:datastoreItem>
 </file>
@@ -14373,9 +14367,12 @@
 </file>
 
 <file path=customXml/itemProps3.xml><?xml version="1.0" encoding="utf-8"?>
-<ds:datastoreItem xmlns:ds="http://schemas.openxmlformats.org/officeDocument/2006/customXml" ds:itemID="{A4B54BEA-998E-408D-BCCD-09BA67DF44CE}">
+<ds:datastoreItem xmlns:ds="http://schemas.openxmlformats.org/officeDocument/2006/customXml" ds:itemID="{2F6D6B62-92C6-4EDE-B50E-8B81CFF669EA}">
   <ds:schemaRefs>
-    <ds:schemaRef ds:uri="http://schemas.microsoft.com/sharepoint/v3/contenttype/forms"/>
+    <ds:schemaRef ds:uri="http://schemas.microsoft.com/office/2006/metadata/properties"/>
+    <ds:schemaRef ds:uri="http://schemas.microsoft.com/office/infopath/2007/PartnerControls"/>
+    <ds:schemaRef ds:uri="435026e9-b5d0-4467-bbd9-3b76a09ae0c4"/>
+    <ds:schemaRef ds:uri="e202ecef-a3f6-4d98-ad9b-1b77cdb87b84"/>
   </ds:schemaRefs>
 </ds:datastoreItem>
 </file>